--- a/3d models/ppt/__Burning_running.pptx
+++ b/3d models/ppt/__Burning_running.pptx
@@ -3348,15 +3348,15 @@
               </a:ext>
             </a:extLst>
           </a:blip>
-          <a:srcRect b="25035"/>
+          <a:srcRect l="32132" t="706" r="32351" b="24329"/>
           <a:stretch/>
         </p:blipFill>
         <p:spPr bwMode="auto">
           <a:xfrm>
-            <a:off x="-198178" y="-66085"/>
-            <a:ext cx="804538" cy="603125"/>
+            <a:off x="40259" y="-227013"/>
+            <a:ext cx="340741" cy="677863"/>
           </a:xfrm>
-          <a:prstGeom prst="rect">
+          <a:prstGeom prst="flowChartConnector">
             <a:avLst/>
           </a:prstGeom>
           <a:noFill/>
@@ -3437,15 +3437,68 @@
               </a:ext>
             </a:extLst>
           </a:blip>
-          <a:srcRect b="25035"/>
+          <a:srcRect l="31242" r="30368" b="25742"/>
           <a:stretch/>
         </p:blipFill>
         <p:spPr bwMode="auto">
-          <a:xfrm flipH="1">
-            <a:off x="-62582" y="127834"/>
-            <a:ext cx="545858" cy="409205"/>
+          <a:xfrm rot="20081995" flipH="1">
+            <a:off x="184690" y="317180"/>
+            <a:ext cx="137639" cy="227012"/>
           </a:xfrm>
-          <a:prstGeom prst="rect">
+          <a:prstGeom prst="flowChartConnector">
+            <a:avLst/>
+          </a:prstGeom>
+          <a:noFill/>
+          <a:extLst>
+            <a:ext uri="{909E8E84-426E-40DD-AFC4-6F175D3DCCD1}">
+              <a14:hiddenFill xmlns:a14="http://schemas.microsoft.com/office/drawing/2010/main">
+                <a:solidFill>
+                  <a:srgbClr val="FFFFFF"/>
+                </a:solidFill>
+              </a14:hiddenFill>
+            </a:ext>
+          </a:extLst>
+        </p:spPr>
+      </p:pic>
+      <p:pic>
+        <p:nvPicPr>
+          <p:cNvPr id="2" name="3">
+            <a:extLst>
+              <a:ext uri="{FF2B5EF4-FFF2-40B4-BE49-F238E27FC236}">
+                <a16:creationId xmlns:a16="http://schemas.microsoft.com/office/drawing/2014/main" id="{7495ED2A-2BF6-79E6-25B0-CAE8AF705F5F}"/>
+              </a:ext>
+            </a:extLst>
+          </p:cNvPr>
+          <p:cNvPicPr>
+            <a:picLocks noChangeAspect="1" noChangeArrowheads="1"/>
+          </p:cNvPicPr>
+          <p:nvPr/>
+        </p:nvPicPr>
+        <p:blipFill rotWithShape="1">
+          <a:blip r:embed="rId2">
+            <a:alphaModFix amt="70000"/>
+            <a:duotone>
+              <a:schemeClr val="accent2">
+                <a:shade val="45000"/>
+                <a:satMod val="135000"/>
+              </a:schemeClr>
+              <a:prstClr val="white"/>
+            </a:duotone>
+            <a:extLst>
+              <a:ext uri="{28A0092B-C50C-407E-A947-70E740481C1C}">
+                <a14:useLocalDpi xmlns:a14="http://schemas.microsoft.com/office/drawing/2010/main" val="0"/>
+              </a:ext>
+            </a:extLst>
+          </a:blip>
+          <a:srcRect l="31242" r="30368" b="25742"/>
+          <a:stretch/>
+        </p:blipFill>
+        <p:spPr bwMode="auto">
+          <a:xfrm rot="2823140" flipH="1">
+            <a:off x="105260" y="303694"/>
+            <a:ext cx="123092" cy="231195"/>
+          </a:xfrm>
+          <a:prstGeom prst="flowChartConnector">
             <a:avLst/>
           </a:prstGeom>
           <a:noFill/>
